--- a/pinImages/아이콘제작.pptx
+++ b/pinImages/아이콘제작.pptx
@@ -912,7 +912,7 @@
           <a:p>
             <a:fld id="{EA482765-8394-4C8A-A496-2D161E08566D}" type="datetimeFigureOut">
               <a:rPr lang="ko-KR" altLang="en-US" smtClean="0"/>
-              <a:t>2024-03-13</a:t>
+              <a:t>2024-09-05</a:t>
             </a:fld>
             <a:endParaRPr lang="ko-KR" altLang="en-US"/>
           </a:p>
@@ -1110,7 +1110,7 @@
           <a:p>
             <a:fld id="{EA482765-8394-4C8A-A496-2D161E08566D}" type="datetimeFigureOut">
               <a:rPr lang="ko-KR" altLang="en-US" smtClean="0"/>
-              <a:t>2024-03-13</a:t>
+              <a:t>2024-09-05</a:t>
             </a:fld>
             <a:endParaRPr lang="ko-KR" altLang="en-US"/>
           </a:p>
@@ -1318,7 +1318,7 @@
           <a:p>
             <a:fld id="{EA482765-8394-4C8A-A496-2D161E08566D}" type="datetimeFigureOut">
               <a:rPr lang="ko-KR" altLang="en-US" smtClean="0"/>
-              <a:t>2024-03-13</a:t>
+              <a:t>2024-09-05</a:t>
             </a:fld>
             <a:endParaRPr lang="ko-KR" altLang="en-US"/>
           </a:p>
@@ -1516,7 +1516,7 @@
           <a:p>
             <a:fld id="{EA482765-8394-4C8A-A496-2D161E08566D}" type="datetimeFigureOut">
               <a:rPr lang="ko-KR" altLang="en-US" smtClean="0"/>
-              <a:t>2024-03-13</a:t>
+              <a:t>2024-09-05</a:t>
             </a:fld>
             <a:endParaRPr lang="ko-KR" altLang="en-US"/>
           </a:p>
@@ -1791,7 +1791,7 @@
           <a:p>
             <a:fld id="{EA482765-8394-4C8A-A496-2D161E08566D}" type="datetimeFigureOut">
               <a:rPr lang="ko-KR" altLang="en-US" smtClean="0"/>
-              <a:t>2024-03-13</a:t>
+              <a:t>2024-09-05</a:t>
             </a:fld>
             <a:endParaRPr lang="ko-KR" altLang="en-US"/>
           </a:p>
@@ -2056,7 +2056,7 @@
           <a:p>
             <a:fld id="{EA482765-8394-4C8A-A496-2D161E08566D}" type="datetimeFigureOut">
               <a:rPr lang="ko-KR" altLang="en-US" smtClean="0"/>
-              <a:t>2024-03-13</a:t>
+              <a:t>2024-09-05</a:t>
             </a:fld>
             <a:endParaRPr lang="ko-KR" altLang="en-US"/>
           </a:p>
@@ -2468,7 +2468,7 @@
           <a:p>
             <a:fld id="{EA482765-8394-4C8A-A496-2D161E08566D}" type="datetimeFigureOut">
               <a:rPr lang="ko-KR" altLang="en-US" smtClean="0"/>
-              <a:t>2024-03-13</a:t>
+              <a:t>2024-09-05</a:t>
             </a:fld>
             <a:endParaRPr lang="ko-KR" altLang="en-US"/>
           </a:p>
@@ -2609,7 +2609,7 @@
           <a:p>
             <a:fld id="{EA482765-8394-4C8A-A496-2D161E08566D}" type="datetimeFigureOut">
               <a:rPr lang="ko-KR" altLang="en-US" smtClean="0"/>
-              <a:t>2024-03-13</a:t>
+              <a:t>2024-09-05</a:t>
             </a:fld>
             <a:endParaRPr lang="ko-KR" altLang="en-US"/>
           </a:p>
@@ -2722,7 +2722,7 @@
           <a:p>
             <a:fld id="{EA482765-8394-4C8A-A496-2D161E08566D}" type="datetimeFigureOut">
               <a:rPr lang="ko-KR" altLang="en-US" smtClean="0"/>
-              <a:t>2024-03-13</a:t>
+              <a:t>2024-09-05</a:t>
             </a:fld>
             <a:endParaRPr lang="ko-KR" altLang="en-US"/>
           </a:p>
@@ -3033,7 +3033,7 @@
           <a:p>
             <a:fld id="{EA482765-8394-4C8A-A496-2D161E08566D}" type="datetimeFigureOut">
               <a:rPr lang="ko-KR" altLang="en-US" smtClean="0"/>
-              <a:t>2024-03-13</a:t>
+              <a:t>2024-09-05</a:t>
             </a:fld>
             <a:endParaRPr lang="ko-KR" altLang="en-US"/>
           </a:p>
@@ -3321,7 +3321,7 @@
           <a:p>
             <a:fld id="{EA482765-8394-4C8A-A496-2D161E08566D}" type="datetimeFigureOut">
               <a:rPr lang="ko-KR" altLang="en-US" smtClean="0"/>
-              <a:t>2024-03-13</a:t>
+              <a:t>2024-09-05</a:t>
             </a:fld>
             <a:endParaRPr lang="ko-KR" altLang="en-US"/>
           </a:p>
@@ -3562,7 +3562,7 @@
           <a:p>
             <a:fld id="{EA482765-8394-4C8A-A496-2D161E08566D}" type="datetimeFigureOut">
               <a:rPr lang="ko-KR" altLang="en-US" smtClean="0"/>
-              <a:t>2024-03-13</a:t>
+              <a:t>2024-09-05</a:t>
             </a:fld>
             <a:endParaRPr lang="ko-KR" altLang="en-US"/>
           </a:p>
@@ -6674,6 +6674,138 @@
           </p:spPr>
         </p:pic>
       </p:grpSp>
+      <p:sp>
+        <p:nvSpPr>
+          <p:cNvPr id="13" name="타원 12">
+            <a:extLst>
+              <a:ext uri="{FF2B5EF4-FFF2-40B4-BE49-F238E27FC236}">
+                <a16:creationId xmlns:a16="http://schemas.microsoft.com/office/drawing/2014/main" id="{9998D239-EC0E-D20D-39AA-60153899F972}"/>
+              </a:ext>
+            </a:extLst>
+          </p:cNvPr>
+          <p:cNvSpPr/>
+          <p:nvPr/>
+        </p:nvSpPr>
+        <p:spPr>
+          <a:xfrm>
+            <a:off x="3042729" y="2398422"/>
+            <a:ext cx="900000" cy="900000"/>
+          </a:xfrm>
+          <a:prstGeom prst="ellipse">
+            <a:avLst/>
+          </a:prstGeom>
+          <a:solidFill>
+            <a:schemeClr val="bg1"/>
+          </a:solidFill>
+          <a:ln w="76200">
+            <a:solidFill>
+              <a:srgbClr val="DC5700"/>
+            </a:solidFill>
+          </a:ln>
+        </p:spPr>
+        <p:style>
+          <a:lnRef idx="2">
+            <a:schemeClr val="accent1">
+              <a:shade val="15000"/>
+            </a:schemeClr>
+          </a:lnRef>
+          <a:fillRef idx="1">
+            <a:schemeClr val="accent1"/>
+          </a:fillRef>
+          <a:effectRef idx="0">
+            <a:schemeClr val="accent1"/>
+          </a:effectRef>
+          <a:fontRef idx="minor">
+            <a:schemeClr val="lt1"/>
+          </a:fontRef>
+        </p:style>
+        <p:txBody>
+          <a:bodyPr rtlCol="0" anchor="ctr"/>
+          <a:lstStyle/>
+          <a:p>
+            <a:pPr algn="ctr"/>
+            <a:r>
+              <a:rPr lang="en-US" altLang="ko-KR" sz="5400" b="1" dirty="0">
+                <a:solidFill>
+                  <a:srgbClr val="DC5700"/>
+                </a:solidFill>
+              </a:rPr>
+              <a:t>3</a:t>
+            </a:r>
+            <a:endParaRPr lang="ko-KR" altLang="en-US" sz="5400" b="1" dirty="0">
+              <a:solidFill>
+                <a:srgbClr val="DC5700"/>
+              </a:solidFill>
+            </a:endParaRPr>
+          </a:p>
+        </p:txBody>
+      </p:sp>
+      <p:sp>
+        <p:nvSpPr>
+          <p:cNvPr id="68" name="타원 67">
+            <a:extLst>
+              <a:ext uri="{FF2B5EF4-FFF2-40B4-BE49-F238E27FC236}">
+                <a16:creationId xmlns:a16="http://schemas.microsoft.com/office/drawing/2014/main" id="{1A179737-7D98-1F36-497D-44B5CF8BDC58}"/>
+              </a:ext>
+            </a:extLst>
+          </p:cNvPr>
+          <p:cNvSpPr/>
+          <p:nvPr/>
+        </p:nvSpPr>
+        <p:spPr>
+          <a:xfrm>
+            <a:off x="3050672" y="3449481"/>
+            <a:ext cx="900000" cy="900000"/>
+          </a:xfrm>
+          <a:prstGeom prst="ellipse">
+            <a:avLst/>
+          </a:prstGeom>
+          <a:solidFill>
+            <a:schemeClr val="bg1"/>
+          </a:solidFill>
+          <a:ln w="76200">
+            <a:solidFill>
+              <a:srgbClr val="1B91BF"/>
+            </a:solidFill>
+          </a:ln>
+        </p:spPr>
+        <p:style>
+          <a:lnRef idx="2">
+            <a:schemeClr val="accent1">
+              <a:shade val="15000"/>
+            </a:schemeClr>
+          </a:lnRef>
+          <a:fillRef idx="1">
+            <a:schemeClr val="accent1"/>
+          </a:fillRef>
+          <a:effectRef idx="0">
+            <a:schemeClr val="accent1"/>
+          </a:effectRef>
+          <a:fontRef idx="minor">
+            <a:schemeClr val="lt1"/>
+          </a:fontRef>
+        </p:style>
+        <p:txBody>
+          <a:bodyPr rtlCol="0" anchor="ctr"/>
+          <a:lstStyle/>
+          <a:p>
+            <a:pPr algn="ctr"/>
+            <a:r>
+              <a:rPr lang="en-US" altLang="ko-KR" sz="5400" b="1" dirty="0">
+                <a:solidFill>
+                  <a:srgbClr val="1B91BF"/>
+                </a:solidFill>
+              </a:rPr>
+              <a:t>4</a:t>
+            </a:r>
+            <a:endParaRPr lang="ko-KR" altLang="en-US" sz="5400" b="1" dirty="0">
+              <a:solidFill>
+                <a:srgbClr val="1B91BF"/>
+              </a:solidFill>
+            </a:endParaRPr>
+          </a:p>
+        </p:txBody>
+      </p:sp>
     </p:spTree>
     <p:extLst>
       <p:ext uri="{BB962C8B-B14F-4D97-AF65-F5344CB8AC3E}">
